--- a/Presentations/AI - AlphaBeta.pptx
+++ b/Presentations/AI - AlphaBeta.pptx
@@ -196,7 +196,7 @@
           <a:p>
             <a:fld id="{FAF957FC-5175-49AC-8D2B-2F056FFFC1DD}" type="datetimeFigureOut">
               <a:rPr lang="en-US" smtClean="0"/>
-              <a:t>10/28/2017</a:t>
+              <a:t>11/11/2017</a:t>
             </a:fld>
             <a:endParaRPr lang="en-US"/>
           </a:p>
@@ -646,7 +646,7 @@
             <a:fld id="{1D8BD707-D9CF-40AE-B4C6-C98DA3205C09}" type="datetimeFigureOut">
               <a:rPr lang="en-US" smtClean="0"/>
               <a:pPr/>
-              <a:t>10/28/2017</a:t>
+              <a:t>11/11/2017</a:t>
             </a:fld>
             <a:endParaRPr lang="en-US"/>
           </a:p>
@@ -813,7 +813,7 @@
             <a:fld id="{1D8BD707-D9CF-40AE-B4C6-C98DA3205C09}" type="datetimeFigureOut">
               <a:rPr lang="en-US" smtClean="0"/>
               <a:pPr/>
-              <a:t>10/28/2017</a:t>
+              <a:t>11/11/2017</a:t>
             </a:fld>
             <a:endParaRPr lang="en-US"/>
           </a:p>
@@ -990,7 +990,7 @@
             <a:fld id="{1D8BD707-D9CF-40AE-B4C6-C98DA3205C09}" type="datetimeFigureOut">
               <a:rPr lang="en-US" smtClean="0"/>
               <a:pPr/>
-              <a:t>10/28/2017</a:t>
+              <a:t>11/11/2017</a:t>
             </a:fld>
             <a:endParaRPr lang="en-US"/>
           </a:p>
@@ -1157,7 +1157,7 @@
             <a:fld id="{1D8BD707-D9CF-40AE-B4C6-C98DA3205C09}" type="datetimeFigureOut">
               <a:rPr lang="en-US" smtClean="0"/>
               <a:pPr/>
-              <a:t>10/28/2017</a:t>
+              <a:t>11/11/2017</a:t>
             </a:fld>
             <a:endParaRPr lang="en-US"/>
           </a:p>
@@ -1400,7 +1400,7 @@
             <a:fld id="{1D8BD707-D9CF-40AE-B4C6-C98DA3205C09}" type="datetimeFigureOut">
               <a:rPr lang="en-US" smtClean="0"/>
               <a:pPr/>
-              <a:t>10/28/2017</a:t>
+              <a:t>11/11/2017</a:t>
             </a:fld>
             <a:endParaRPr lang="en-US"/>
           </a:p>
@@ -1685,7 +1685,7 @@
             <a:fld id="{1D8BD707-D9CF-40AE-B4C6-C98DA3205C09}" type="datetimeFigureOut">
               <a:rPr lang="en-US" smtClean="0"/>
               <a:pPr/>
-              <a:t>10/28/2017</a:t>
+              <a:t>11/11/2017</a:t>
             </a:fld>
             <a:endParaRPr lang="en-US"/>
           </a:p>
@@ -2104,7 +2104,7 @@
             <a:fld id="{1D8BD707-D9CF-40AE-B4C6-C98DA3205C09}" type="datetimeFigureOut">
               <a:rPr lang="en-US" smtClean="0"/>
               <a:pPr/>
-              <a:t>10/28/2017</a:t>
+              <a:t>11/11/2017</a:t>
             </a:fld>
             <a:endParaRPr lang="en-US"/>
           </a:p>
@@ -2219,7 +2219,7 @@
             <a:fld id="{1D8BD707-D9CF-40AE-B4C6-C98DA3205C09}" type="datetimeFigureOut">
               <a:rPr lang="en-US" smtClean="0"/>
               <a:pPr/>
-              <a:t>10/28/2017</a:t>
+              <a:t>11/11/2017</a:t>
             </a:fld>
             <a:endParaRPr lang="en-US"/>
           </a:p>
@@ -2311,7 +2311,7 @@
             <a:fld id="{1D8BD707-D9CF-40AE-B4C6-C98DA3205C09}" type="datetimeFigureOut">
               <a:rPr lang="en-US" smtClean="0"/>
               <a:pPr/>
-              <a:t>10/28/2017</a:t>
+              <a:t>11/11/2017</a:t>
             </a:fld>
             <a:endParaRPr lang="en-US"/>
           </a:p>
@@ -2585,7 +2585,7 @@
             <a:fld id="{1D8BD707-D9CF-40AE-B4C6-C98DA3205C09}" type="datetimeFigureOut">
               <a:rPr lang="en-US" smtClean="0"/>
               <a:pPr/>
-              <a:t>10/28/2017</a:t>
+              <a:t>11/11/2017</a:t>
             </a:fld>
             <a:endParaRPr lang="en-US"/>
           </a:p>
@@ -2835,7 +2835,7 @@
             <a:fld id="{1D8BD707-D9CF-40AE-B4C6-C98DA3205C09}" type="datetimeFigureOut">
               <a:rPr lang="en-US" smtClean="0"/>
               <a:pPr/>
-              <a:t>10/28/2017</a:t>
+              <a:t>11/11/2017</a:t>
             </a:fld>
             <a:endParaRPr lang="en-US"/>
           </a:p>
@@ -3045,7 +3045,7 @@
             <a:fld id="{1D8BD707-D9CF-40AE-B4C6-C98DA3205C09}" type="datetimeFigureOut">
               <a:rPr lang="en-US" smtClean="0"/>
               <a:pPr/>
-              <a:t>10/28/2017</a:t>
+              <a:t>11/11/2017</a:t>
             </a:fld>
             <a:endParaRPr lang="en-US"/>
           </a:p>
@@ -3434,26 +3434,23 @@
           <a:lstStyle/>
           <a:p>
             <a:r>
+              <a:rPr lang="en-US" smtClean="0"/>
+              <a:t>Artificial </a:t>
+            </a:r>
+            <a:r>
+              <a:rPr lang="en-US" smtClean="0"/>
+              <a:t>Intelligence</a:t>
+            </a:r>
+            <a:r>
               <a:rPr lang="en-US" dirty="0" smtClean="0"/>
-              <a:t>Artificial Intelligence</a:t>
+              <a:t/>
             </a:r>
             <a:br>
               <a:rPr lang="en-US" dirty="0" smtClean="0"/>
             </a:br>
             <a:r>
               <a:rPr lang="en-US" dirty="0" smtClean="0"/>
-              <a:t>Training</a:t>
-            </a:r>
-            <a:br>
-              <a:rPr lang="en-US" dirty="0" smtClean="0"/>
-            </a:br>
-            <a:r>
-              <a:rPr lang="en-US" dirty="0" smtClean="0"/>
-              <a:t>Alpha-Beta Pruning </a:t>
-            </a:r>
-            <a:r>
-              <a:rPr lang="en-US" dirty="0" smtClean="0"/>
-              <a:t>Algorithm</a:t>
+              <a:t>Alpha-Beta Pruning Algorithm</a:t>
             </a:r>
             <a:br>
               <a:rPr lang="en-US" dirty="0" smtClean="0"/>
@@ -3842,8 +3839,10 @@
                   </a:schemeClr>
                 </a:solidFill>
               </a:rPr>
-              <a:t>Algorithm developed for </a:t>
-            </a:r>
+              <a:t>Algorithm developed for reducing search space in</a:t>
+            </a:r>
+          </a:p>
+          <a:p>
             <a:r>
               <a:rPr lang="en-US" sz="2800" b="1" dirty="0" smtClean="0">
                 <a:solidFill>
@@ -3852,47 +3851,8 @@
                   </a:schemeClr>
                 </a:solidFill>
               </a:rPr>
-              <a:t>reducing search space in</a:t>
-            </a:r>
-          </a:p>
-          <a:p>
-            <a:r>
-              <a:rPr lang="en-US" sz="2800" b="1" dirty="0" smtClean="0">
-                <a:solidFill>
-                  <a:schemeClr val="accent5">
-                    <a:lumMod val="75000"/>
-                  </a:schemeClr>
-                </a:solidFill>
-              </a:rPr>
-              <a:t>   Zero-Sum ga</a:t>
-            </a:r>
-            <a:r>
-              <a:rPr lang="en-US" sz="2800" b="1" dirty="0" smtClean="0">
-                <a:solidFill>
-                  <a:schemeClr val="accent5">
-                    <a:lumMod val="75000"/>
-                  </a:schemeClr>
-                </a:solidFill>
-              </a:rPr>
-              <a:t>mes</a:t>
-            </a:r>
-            <a:r>
-              <a:rPr lang="en-US" sz="2800" b="1" dirty="0" smtClean="0">
-                <a:solidFill>
-                  <a:schemeClr val="accent5">
-                    <a:lumMod val="75000"/>
-                  </a:schemeClr>
-                </a:solidFill>
-              </a:rPr>
-              <a:t>.</a:t>
-            </a:r>
-            <a:endParaRPr lang="en-US" sz="2800" b="1" dirty="0" smtClean="0">
-              <a:solidFill>
-                <a:schemeClr val="accent5">
-                  <a:lumMod val="75000"/>
-                </a:schemeClr>
-              </a:solidFill>
-            </a:endParaRPr>
+              <a:t>   Zero-Sum games.</a:t>
+            </a:r>
           </a:p>
           <a:p>
             <a:pPr marL="742950" lvl="1" indent="-285750">
@@ -6319,11 +6279,7 @@
           <a:p>
             <a:r>
               <a:rPr lang="en-US" sz="1200" b="1" dirty="0" smtClean="0"/>
-              <a:t>min</a:t>
-            </a:r>
-            <a:r>
-              <a:rPr lang="en-US" sz="1200" b="1" dirty="0" smtClean="0"/>
-              <a:t>() = 3</a:t>
+              <a:t>min() = 3</a:t>
             </a:r>
             <a:endParaRPr lang="en-US" sz="1200" b="1" dirty="0"/>
           </a:p>
@@ -6559,11 +6515,7 @@
           <a:p>
             <a:r>
               <a:rPr lang="en-US" sz="1200" b="1" dirty="0" smtClean="0"/>
-              <a:t>min</a:t>
-            </a:r>
-            <a:r>
-              <a:rPr lang="en-US" sz="1200" b="1" dirty="0" smtClean="0"/>
-              <a:t>() = 2</a:t>
+              <a:t>min() = 2</a:t>
             </a:r>
             <a:endParaRPr lang="en-US" sz="1200" b="1" dirty="0"/>
           </a:p>
@@ -6632,11 +6584,7 @@
           <a:p>
             <a:r>
               <a:rPr lang="en-US" sz="1200" b="1" dirty="0" smtClean="0"/>
-              <a:t>min</a:t>
-            </a:r>
-            <a:r>
-              <a:rPr lang="en-US" sz="1200" b="1" dirty="0" smtClean="0"/>
-              <a:t>() = 2</a:t>
+              <a:t>min() = 2</a:t>
             </a:r>
             <a:endParaRPr lang="en-US" sz="1200" b="1" dirty="0"/>
           </a:p>
@@ -8651,11 +8599,7 @@
           <a:p>
             <a:r>
               <a:rPr lang="en-US" sz="1200" b="1" dirty="0" smtClean="0"/>
-              <a:t>min</a:t>
-            </a:r>
-            <a:r>
-              <a:rPr lang="en-US" sz="1200" b="1" dirty="0" smtClean="0"/>
-              <a:t>() = 3</a:t>
+              <a:t>min() = 3</a:t>
             </a:r>
             <a:endParaRPr lang="en-US" sz="1200" b="1" dirty="0"/>
           </a:p>
@@ -9168,8 +9112,8 @@
           </a:fontRef>
         </p:style>
       </p:cxnSp>
-      <mc:AlternateContent xmlns:mc="http://schemas.openxmlformats.org/markup-compatibility/2006">
-        <mc:Choice xmlns:a14="http://schemas.microsoft.com/office/drawing/2010/main" Requires="a14">
+      <mc:AlternateContent xmlns:mc="http://schemas.openxmlformats.org/markup-compatibility/2006" xmlns:a14="http://schemas.microsoft.com/office/drawing/2010/main">
+        <mc:Choice Requires="a14">
           <p:sp>
             <p:nvSpPr>
               <p:cNvPr id="75" name="TextBox 74"/>
@@ -9251,7 +9195,7 @@
             </p:txBody>
           </p:sp>
         </mc:Choice>
-        <mc:Fallback>
+        <mc:Fallback xmlns="">
           <p:sp>
             <p:nvSpPr>
               <p:cNvPr id="75" name="TextBox 74"/>
@@ -9374,8 +9318,8 @@
           </a:fontRef>
         </p:style>
       </p:cxnSp>
-      <mc:AlternateContent xmlns:mc="http://schemas.openxmlformats.org/markup-compatibility/2006">
-        <mc:Choice xmlns:a14="http://schemas.microsoft.com/office/drawing/2010/main" Requires="a14">
+      <mc:AlternateContent xmlns:mc="http://schemas.openxmlformats.org/markup-compatibility/2006" xmlns:a14="http://schemas.microsoft.com/office/drawing/2010/main">
+        <mc:Choice Requires="a14">
           <p:sp>
             <p:nvSpPr>
               <p:cNvPr id="83" name="TextBox 82"/>
@@ -9479,7 +9423,7 @@
             </p:txBody>
           </p:sp>
         </mc:Choice>
-        <mc:Fallback>
+        <mc:Fallback xmlns="">
           <p:sp>
             <p:nvSpPr>
               <p:cNvPr id="83" name="TextBox 82"/>
@@ -9780,8 +9724,8 @@
           </a:fontRef>
         </p:style>
       </p:cxnSp>
-      <mc:AlternateContent xmlns:mc="http://schemas.openxmlformats.org/markup-compatibility/2006">
-        <mc:Choice xmlns:a14="http://schemas.microsoft.com/office/drawing/2010/main" Requires="a14">
+      <mc:AlternateContent xmlns:mc="http://schemas.openxmlformats.org/markup-compatibility/2006" xmlns:a14="http://schemas.microsoft.com/office/drawing/2010/main">
+        <mc:Choice Requires="a14">
           <p:sp>
             <p:nvSpPr>
               <p:cNvPr id="103" name="TextBox 102"/>
@@ -9863,7 +9807,7 @@
             </p:txBody>
           </p:sp>
         </mc:Choice>
-        <mc:Fallback>
+        <mc:Fallback xmlns="">
           <p:sp>
             <p:nvSpPr>
               <p:cNvPr id="103" name="TextBox 102"/>
@@ -9902,8 +9846,8 @@
           </p:sp>
         </mc:Fallback>
       </mc:AlternateContent>
-      <mc:AlternateContent xmlns:mc="http://schemas.openxmlformats.org/markup-compatibility/2006">
-        <mc:Choice xmlns:a14="http://schemas.microsoft.com/office/drawing/2010/main" Requires="a14">
+      <mc:AlternateContent xmlns:mc="http://schemas.openxmlformats.org/markup-compatibility/2006" xmlns:a14="http://schemas.microsoft.com/office/drawing/2010/main">
+        <mc:Choice Requires="a14">
           <p:sp>
             <p:nvSpPr>
               <p:cNvPr id="104" name="TextBox 103"/>
@@ -10007,7 +9951,7 @@
             </p:txBody>
           </p:sp>
         </mc:Choice>
-        <mc:Fallback>
+        <mc:Fallback xmlns="">
           <p:sp>
             <p:nvSpPr>
               <p:cNvPr id="104" name="TextBox 103"/>
@@ -10282,13 +10226,6 @@
               </a:rPr>
               <a:t>For first Max choice.</a:t>
             </a:r>
-            <a:endParaRPr lang="en-US" sz="2800" b="1" dirty="0" smtClean="0">
-              <a:solidFill>
-                <a:schemeClr val="accent5">
-                  <a:lumMod val="75000"/>
-                </a:schemeClr>
-              </a:solidFill>
-            </a:endParaRPr>
           </a:p>
           <a:p>
             <a:pPr marL="742950" lvl="1" indent="-285750">
@@ -10305,13 +10242,6 @@
               </a:rPr>
               <a:t>Calculate the min value for each Min counter move.</a:t>
             </a:r>
-            <a:endParaRPr lang="en-US" sz="2800" b="1" dirty="0" smtClean="0">
-              <a:solidFill>
-                <a:schemeClr val="accent6">
-                  <a:lumMod val="75000"/>
-                </a:schemeClr>
-              </a:solidFill>
-            </a:endParaRPr>
           </a:p>
           <a:p>
             <a:pPr marL="742950" lvl="1" indent="-285750">
@@ -10348,13 +10278,6 @@
               </a:rPr>
               <a:t>) of Min move.</a:t>
             </a:r>
-            <a:endParaRPr lang="en-US" sz="2800" b="1" dirty="0" smtClean="0">
-              <a:solidFill>
-                <a:schemeClr val="accent6">
-                  <a:lumMod val="75000"/>
-                </a:schemeClr>
-              </a:solidFill>
-            </a:endParaRPr>
           </a:p>
           <a:p>
             <a:endParaRPr lang="en-US" sz="2800" b="1" dirty="0">
